--- a/TalkOverview.pptx
+++ b/TalkOverview.pptx
@@ -208,7 +208,7 @@
           <a:p>
             <a:fld id="{16EB8860-4FC7-E943-9E45-258863D857E5}" type="datetimeFigureOut">
               <a:rPr lang="en-US" smtClean="0"/>
-              <a:t>2/11/25</a:t>
+              <a:t>2/12/25</a:t>
             </a:fld>
             <a:endParaRPr lang="en-US"/>
           </a:p>
@@ -765,7 +765,7 @@
           <a:p>
             <a:fld id="{E08CC0ED-78A2-AE45-95D3-21DBF9D9B772}" type="datetimeFigureOut">
               <a:rPr lang="en-US" smtClean="0"/>
-              <a:t>2/11/25</a:t>
+              <a:t>2/12/25</a:t>
             </a:fld>
             <a:endParaRPr lang="en-US"/>
           </a:p>
@@ -963,7 +963,7 @@
           <a:p>
             <a:fld id="{E08CC0ED-78A2-AE45-95D3-21DBF9D9B772}" type="datetimeFigureOut">
               <a:rPr lang="en-US" smtClean="0"/>
-              <a:t>2/11/25</a:t>
+              <a:t>2/12/25</a:t>
             </a:fld>
             <a:endParaRPr lang="en-US"/>
           </a:p>
@@ -1171,7 +1171,7 @@
           <a:p>
             <a:fld id="{E08CC0ED-78A2-AE45-95D3-21DBF9D9B772}" type="datetimeFigureOut">
               <a:rPr lang="en-US" smtClean="0"/>
-              <a:t>2/11/25</a:t>
+              <a:t>2/12/25</a:t>
             </a:fld>
             <a:endParaRPr lang="en-US"/>
           </a:p>
@@ -1369,7 +1369,7 @@
           <a:p>
             <a:fld id="{E08CC0ED-78A2-AE45-95D3-21DBF9D9B772}" type="datetimeFigureOut">
               <a:rPr lang="en-US" smtClean="0"/>
-              <a:t>2/11/25</a:t>
+              <a:t>2/12/25</a:t>
             </a:fld>
             <a:endParaRPr lang="en-US"/>
           </a:p>
@@ -1644,7 +1644,7 @@
           <a:p>
             <a:fld id="{E08CC0ED-78A2-AE45-95D3-21DBF9D9B772}" type="datetimeFigureOut">
               <a:rPr lang="en-US" smtClean="0"/>
-              <a:t>2/11/25</a:t>
+              <a:t>2/12/25</a:t>
             </a:fld>
             <a:endParaRPr lang="en-US"/>
           </a:p>
@@ -1909,7 +1909,7 @@
           <a:p>
             <a:fld id="{E08CC0ED-78A2-AE45-95D3-21DBF9D9B772}" type="datetimeFigureOut">
               <a:rPr lang="en-US" smtClean="0"/>
-              <a:t>2/11/25</a:t>
+              <a:t>2/12/25</a:t>
             </a:fld>
             <a:endParaRPr lang="en-US"/>
           </a:p>
@@ -2321,7 +2321,7 @@
           <a:p>
             <a:fld id="{E08CC0ED-78A2-AE45-95D3-21DBF9D9B772}" type="datetimeFigureOut">
               <a:rPr lang="en-US" smtClean="0"/>
-              <a:t>2/11/25</a:t>
+              <a:t>2/12/25</a:t>
             </a:fld>
             <a:endParaRPr lang="en-US"/>
           </a:p>
@@ -2462,7 +2462,7 @@
           <a:p>
             <a:fld id="{E08CC0ED-78A2-AE45-95D3-21DBF9D9B772}" type="datetimeFigureOut">
               <a:rPr lang="en-US" smtClean="0"/>
-              <a:t>2/11/25</a:t>
+              <a:t>2/12/25</a:t>
             </a:fld>
             <a:endParaRPr lang="en-US"/>
           </a:p>
@@ -2575,7 +2575,7 @@
           <a:p>
             <a:fld id="{E08CC0ED-78A2-AE45-95D3-21DBF9D9B772}" type="datetimeFigureOut">
               <a:rPr lang="en-US" smtClean="0"/>
-              <a:t>2/11/25</a:t>
+              <a:t>2/12/25</a:t>
             </a:fld>
             <a:endParaRPr lang="en-US"/>
           </a:p>
@@ -2886,7 +2886,7 @@
           <a:p>
             <a:fld id="{E08CC0ED-78A2-AE45-95D3-21DBF9D9B772}" type="datetimeFigureOut">
               <a:rPr lang="en-US" smtClean="0"/>
-              <a:t>2/11/25</a:t>
+              <a:t>2/12/25</a:t>
             </a:fld>
             <a:endParaRPr lang="en-US"/>
           </a:p>
@@ -3174,7 +3174,7 @@
           <a:p>
             <a:fld id="{E08CC0ED-78A2-AE45-95D3-21DBF9D9B772}" type="datetimeFigureOut">
               <a:rPr lang="en-US" smtClean="0"/>
-              <a:t>2/11/25</a:t>
+              <a:t>2/12/25</a:t>
             </a:fld>
             <a:endParaRPr lang="en-US"/>
           </a:p>
@@ -3415,7 +3415,7 @@
           <a:p>
             <a:fld id="{E08CC0ED-78A2-AE45-95D3-21DBF9D9B772}" type="datetimeFigureOut">
               <a:rPr lang="en-US" smtClean="0"/>
-              <a:t>2/11/25</a:t>
+              <a:t>2/12/25</a:t>
             </a:fld>
             <a:endParaRPr lang="en-US"/>
           </a:p>
@@ -12411,8 +12411,12 @@
               <a:p>
                 <a:pPr algn="l"/>
                 <a:r>
+                  <a:rPr lang="en-US" sz="1200" u="sng"/>
+                  <a:t>Types </a:t>
+                </a:r>
+                <a:r>
                   <a:rPr lang="en-US" sz="1200" u="sng" dirty="0"/>
-                  <a:t>Multiple Random effects</a:t>
+                  <a:t>of random effects</a:t>
                 </a:r>
               </a:p>
               <a:p>
